--- a/presentations/KathiosLopezISDP_posterfinal.pptx
+++ b/presentations/KathiosLopezISDP_posterfinal.pptx
@@ -262,7 +262,7 @@
       <p15:sldGuideLst xmlns:p15="http://schemas.microsoft.com/office/powerpoint/2012/main"/>
     </p:ext>
     <p:ext uri="http://customooxmlschemas.google.com/">
-      <go:slidesCustomData xmlns:go="http://customooxmlschemas.google.com/" xmlns:ahyp="http://schemas.microsoft.com/office/drawing/2018/hyperlinkcolor" xmlns:p15="http://schemas.microsoft.com/office/powerpoint/2012/main" xmlns:p14="http://schemas.microsoft.com/office/powerpoint/2010/main" xmlns:com="http://schemas.openxmlformats.org/drawingml/2006/compatibility" xmlns:pvml="urn:schemas-microsoft-com:office:powerpoint" xmlns:v="urn:schemas-microsoft-com:vml" xmlns:o="urn:schemas-microsoft-com:office:office" xmlns:dgm="http://schemas.openxmlformats.org/drawingml/2006/diagram" xmlns:c="http://schemas.openxmlformats.org/drawingml/2006/chart" xmlns:mv="urn:schemas-microsoft-com:mac:vml" xmlns:mc="http://schemas.openxmlformats.org/markup-compatibility/2006" xmlns="" r:id="rId12" roundtripDataSignature="AMtx7mgUZ/EanI988gELEzf8evnhnh3MyA=="/>
+      <go:slidesCustomData xmlns="" xmlns:mc="http://schemas.openxmlformats.org/markup-compatibility/2006" xmlns:mv="urn:schemas-microsoft-com:mac:vml" xmlns:c="http://schemas.openxmlformats.org/drawingml/2006/chart" xmlns:dgm="http://schemas.openxmlformats.org/drawingml/2006/diagram" xmlns:o="urn:schemas-microsoft-com:office:office" xmlns:v="urn:schemas-microsoft-com:vml" xmlns:pvml="urn:schemas-microsoft-com:office:powerpoint" xmlns:com="http://schemas.openxmlformats.org/drawingml/2006/compatibility" xmlns:p14="http://schemas.microsoft.com/office/powerpoint/2010/main" xmlns:p15="http://schemas.microsoft.com/office/powerpoint/2012/main" xmlns:ahyp="http://schemas.microsoft.com/office/drawing/2018/hyperlinkcolor" xmlns:go="http://customooxmlschemas.google.com/" r:id="rId12" roundtripDataSignature="AMtx7mgUZ/EanI988gELEzf8evnhnh3MyA=="/>
     </p:ext>
   </p:extLst>
 </p:presentation>
@@ -285,7 +285,7 @@
       <pc:sldMk xmlns:pc="http://schemas.microsoft.com/office/powerpoint/2013/main/command" cId="0" sldId="256"/>
       <ac:spMk id="169" creationId="{54F7C366-E575-8F4D-8A46-DB1E95245786}"/>
       <ac:txMk cp="0">
-        <ac:context len="1724" hash="2291928375"/>
+        <ac:context len="1713" hash="1621546502"/>
       </ac:txMk>
     </ac:txMkLst>
     <p188:pos x="13284759" y="1174528"/>
@@ -11345,7 +11345,7 @@
                 <a:cs typeface="Arial" panose="020B0604020202020204" pitchFamily="34" charset="0"/>
                 <a:sym typeface="Helvetica Neue"/>
               </a:rPr>
-              <a:t>Absorption:  “an individual’s ability to ability and willingness to allow music to draw them into an emotional experience”</a:t>
+              <a:t>Absorption:  “an individual’s ability and willingness to allow music to draw them into an emotional experience”</a:t>
             </a:r>
             <a:r>
               <a:rPr lang="en-US" sz="3200" baseline="30000" dirty="0">

--- a/presentations/KathiosLopezISDP_posterfinal.pptx
+++ b/presentations/KathiosLopezISDP_posterfinal.pptx
@@ -285,7 +285,7 @@
       <pc:sldMk xmlns:pc="http://schemas.microsoft.com/office/powerpoint/2013/main/command" cId="0" sldId="256"/>
       <ac:spMk id="169" creationId="{54F7C366-E575-8F4D-8A46-DB1E95245786}"/>
       <ac:txMk cp="0">
-        <ac:context len="1713" hash="1621546502"/>
+        <ac:context len="1697" hash="1396689338"/>
       </ac:txMk>
     </ac:txMkLst>
     <p188:pos x="13284759" y="1174528"/>
@@ -9829,7 +9829,7 @@
                 <a:cs typeface="Arial" panose="020B0604020202020204" pitchFamily="34" charset="0"/>
                 <a:sym typeface="Helvetica Neue"/>
               </a:rPr>
-              <a:t>, Kelsie L. Lopez, Psyche Loui,  Laurel </a:t>
+              <a:t>*, Kelsie L. Lopez*, Psyche Loui,  Laurel </a:t>
             </a:r>
             <a:r>
               <a:rPr lang="en-US" sz="4800" b="0" i="0" u="none" strike="noStrike" cap="none" dirty="0" err="1">
@@ -9849,15 +9849,7 @@
             </a:endParaRPr>
           </a:p>
           <a:p>
-            <a:pPr marL="0" marR="0" lvl="0" indent="0" algn="ctr" rtl="0">
-              <a:spcBef>
-                <a:spcPts val="0"/>
-              </a:spcBef>
-              <a:spcAft>
-                <a:spcPts val="0"/>
-              </a:spcAft>
-              <a:buNone/>
-            </a:pPr>
+            <a:pPr algn="ctr"/>
             <a:r>
               <a:rPr lang="en-US" sz="4800" b="0" i="0" u="none" strike="noStrike" cap="none" dirty="0">
                 <a:solidFill>
@@ -9870,7 +9862,22 @@
               </a:rPr>
               <a:t>Northeastern University, Boston, MA</a:t>
             </a:r>
-            <a:endParaRPr sz="1600" dirty="0">
+          </a:p>
+          <a:p>
+            <a:pPr algn="ctr"/>
+            <a:r>
+              <a:rPr lang="en-US" sz="4000" dirty="0">
+                <a:solidFill>
+                  <a:schemeClr val="lt1"/>
+                </a:solidFill>
+                <a:latin typeface="Arial" panose="020B0604020202020204" pitchFamily="34" charset="0"/>
+                <a:ea typeface="Helvetica Neue"/>
+                <a:cs typeface="Arial" panose="020B0604020202020204" pitchFamily="34" charset="0"/>
+                <a:sym typeface="Helvetica Neue"/>
+              </a:rPr>
+              <a:t>*shared first authors</a:t>
+            </a:r>
+            <a:endParaRPr lang="en-US" sz="4000" dirty="0">
               <a:latin typeface="Arial" panose="020B0604020202020204" pitchFamily="34" charset="0"/>
               <a:cs typeface="Arial" panose="020B0604020202020204" pitchFamily="34" charset="0"/>
             </a:endParaRPr>
@@ -10147,8 +10154,8 @@
         </p:blipFill>
         <p:spPr>
           <a:xfrm>
-            <a:off x="4034245" y="1177446"/>
-            <a:ext cx="3314379" cy="3072487"/>
+            <a:off x="2350358" y="784469"/>
+            <a:ext cx="4289198" cy="3823631"/>
           </a:xfrm>
           <a:prstGeom prst="rect">
             <a:avLst/>
@@ -10289,7 +10296,7 @@
         </p:nvSpPr>
         <p:spPr>
           <a:xfrm>
-            <a:off x="29104632" y="34189210"/>
+            <a:off x="29202548" y="34205548"/>
             <a:ext cx="13877365" cy="1081470"/>
           </a:xfrm>
           <a:prstGeom prst="rect">
@@ -10913,7 +10920,7 @@
                 <a:cs typeface="Arial" panose="020B0604020202020204" pitchFamily="34" charset="0"/>
                 <a:sym typeface="Helvetica Neue"/>
               </a:rPr>
-              <a:t>288 participants (141F) recruited through Prolific from another previous experiment </a:t>
+              <a:t>288 participants (141F) recruited from another previous experiment </a:t>
             </a:r>
           </a:p>
           <a:p>
@@ -11041,6 +11048,18 @@
               </a:rPr>
               <a:t>(BMRQ) in the previous study</a:t>
             </a:r>
+          </a:p>
+          <a:p>
+            <a:pPr fontAlgn="base"/>
+            <a:endParaRPr lang="en-US" sz="3200" dirty="0">
+              <a:solidFill>
+                <a:schemeClr val="dk1"/>
+              </a:solidFill>
+              <a:latin typeface="Arial" panose="020B0604020202020204" pitchFamily="34" charset="0"/>
+              <a:ea typeface="Helvetica Neue"/>
+              <a:cs typeface="Arial" panose="020B0604020202020204" pitchFamily="34" charset="0"/>
+              <a:sym typeface="Helvetica Neue"/>
+            </a:endParaRPr>
           </a:p>
           <a:p>
             <a:pPr fontAlgn="base"/>
@@ -11440,7 +11459,7 @@
         <p:spPr>
           <a:xfrm>
             <a:off x="29200935" y="5450875"/>
-            <a:ext cx="13880592" cy="2128264"/>
+            <a:ext cx="13880592" cy="1482862"/>
           </a:xfrm>
           <a:prstGeom prst="rect">
             <a:avLst/>
@@ -11483,7 +11502,7 @@
                 <a:cs typeface="Arial" panose="020B0604020202020204" pitchFamily="34" charset="0"/>
                 <a:sym typeface="Helvetica Neue"/>
               </a:rPr>
-              <a:t>Is absorption into music adaptive following adversity?</a:t>
+              <a:t>Is absorption into music adaptive?</a:t>
             </a:r>
             <a:endParaRPr lang="en-US" sz="5200" dirty="0">
               <a:latin typeface="Arial" panose="020B0604020202020204" pitchFamily="34" charset="0"/>
@@ -11696,7 +11715,7 @@
         </p:nvSpPr>
         <p:spPr>
           <a:xfrm>
-            <a:off x="651958" y="24402144"/>
+            <a:off x="651958" y="24163602"/>
             <a:ext cx="13877365" cy="2889826"/>
           </a:xfrm>
           <a:prstGeom prst="rect">
@@ -11891,8 +11910,8 @@
         </p:nvSpPr>
         <p:spPr>
           <a:xfrm>
-            <a:off x="14636040" y="16812206"/>
-            <a:ext cx="14198418" cy="2436223"/>
+            <a:off x="14636040" y="16812207"/>
+            <a:ext cx="14198418" cy="2119258"/>
           </a:xfrm>
           <a:prstGeom prst="rect">
             <a:avLst/>
@@ -11985,7 +12004,7 @@
         <p:spPr>
           <a:xfrm>
             <a:off x="29200935" y="15286258"/>
-            <a:ext cx="13880592" cy="1837150"/>
+            <a:ext cx="13880592" cy="2119258"/>
           </a:xfrm>
           <a:prstGeom prst="rect">
             <a:avLst/>
@@ -12237,29 +12256,8 @@
                 <a:cs typeface="Arial" panose="020B0604020202020204" pitchFamily="34" charset="0"/>
                 <a:sym typeface="Helvetica Neue"/>
               </a:rPr>
-              <a:t>“Escaping” adverse contexts into music is one way individuals with ELA </a:t>
-            </a:r>
-            <a:r>
-              <a:rPr lang="en-US" sz="3200">
-                <a:solidFill>
-                  <a:schemeClr val="dk1"/>
-                </a:solidFill>
-                <a:latin typeface="Arial" panose="020B0604020202020204" pitchFamily="34" charset="0"/>
-                <a:ea typeface="Helvetica Neue"/>
-                <a:cs typeface="Arial" panose="020B0604020202020204" pitchFamily="34" charset="0"/>
-                <a:sym typeface="Helvetica Neue"/>
-              </a:rPr>
-              <a:t>develop resilience.</a:t>
-            </a:r>
-            <a:endParaRPr lang="en-US" sz="3200" dirty="0">
-              <a:solidFill>
-                <a:schemeClr val="dk1"/>
-              </a:solidFill>
-              <a:latin typeface="Arial" panose="020B0604020202020204" pitchFamily="34" charset="0"/>
-              <a:ea typeface="Helvetica Neue"/>
-              <a:cs typeface="Arial" panose="020B0604020202020204" pitchFamily="34" charset="0"/>
-              <a:sym typeface="Helvetica Neue"/>
-            </a:endParaRPr>
+              <a:t>“Escaping” adverse contexts into music is one way individuals with ELA develop resilience.</a:t>
+            </a:r>
           </a:p>
           <a:p>
             <a:pPr marL="457200" indent="-457200" fontAlgn="base">
@@ -13763,7 +13761,16 @@
               </a:rPr>
               <a:t>https://www.frontiersin.org/articles/10.3389/fpsyg.2019.02911</a:t>
             </a:r>
-            <a:endParaRPr lang="en-US" sz="1000" baseline="30000" dirty="0">
+            <a:endParaRPr lang="en-US" sz="1000" b="0" i="0" u="sng" strike="noStrike" dirty="0">
+              <a:solidFill>
+                <a:srgbClr val="1155CC"/>
+              </a:solidFill>
+              <a:effectLst/>
+              <a:latin typeface="Arial" panose="020B0604020202020204" pitchFamily="34" charset="0"/>
+            </a:endParaRPr>
+          </a:p>
+          <a:p>
+            <a:endParaRPr lang="en-US" sz="1000" dirty="0">
               <a:solidFill>
                 <a:schemeClr val="dk1"/>
               </a:solidFill>
@@ -13771,6 +13778,47 @@
               <a:ea typeface="Helvetica Neue"/>
               <a:cs typeface="Arial" panose="020B0604020202020204" pitchFamily="34" charset="0"/>
               <a:sym typeface="Helvetica Neue"/>
+            </a:endParaRPr>
+          </a:p>
+          <a:p>
+            <a:r>
+              <a:rPr lang="en-US" sz="1100" dirty="0">
+                <a:solidFill>
+                  <a:schemeClr val="dk1"/>
+                </a:solidFill>
+                <a:latin typeface="Arial" panose="020B0604020202020204" pitchFamily="34" charset="0"/>
+                <a:ea typeface="Helvetica Neue"/>
+                <a:cs typeface="Arial" panose="020B0604020202020204" pitchFamily="34" charset="0"/>
+                <a:sym typeface="Helvetica Neue"/>
+              </a:rPr>
+              <a:t>We acknowledge support from NSF-CAREER 1945436 </a:t>
+            </a:r>
+            <a:r>
+              <a:rPr lang="en-US" sz="1100" b="0" i="0" dirty="0">
+                <a:solidFill>
+                  <a:srgbClr val="1D1C1D"/>
+                </a:solidFill>
+                <a:effectLst/>
+                <a:latin typeface="Arial" panose="020B0604020202020204" pitchFamily="34" charset="0"/>
+                <a:cs typeface="Arial" panose="020B0604020202020204" pitchFamily="34" charset="0"/>
+              </a:rPr>
+              <a:t>to PL</a:t>
+            </a:r>
+            <a:r>
+              <a:rPr lang="en-US" sz="1100" dirty="0">
+                <a:solidFill>
+                  <a:schemeClr val="dk1"/>
+                </a:solidFill>
+                <a:latin typeface="Arial" panose="020B0604020202020204" pitchFamily="34" charset="0"/>
+                <a:ea typeface="Helvetica Neue"/>
+                <a:cs typeface="Arial" panose="020B0604020202020204" pitchFamily="34" charset="0"/>
+                <a:sym typeface="Helvetica Neue"/>
+              </a:rPr>
+              <a:t>.</a:t>
+            </a:r>
+            <a:endParaRPr lang="en-US" sz="1100" dirty="0">
+              <a:latin typeface="Arial" panose="020B0604020202020204" pitchFamily="34" charset="0"/>
+              <a:cs typeface="Arial" panose="020B0604020202020204" pitchFamily="34" charset="0"/>
             </a:endParaRPr>
           </a:p>
         </p:txBody>
@@ -14095,8 +14143,8 @@
         </p:nvSpPr>
         <p:spPr>
           <a:xfrm>
-            <a:off x="31901071" y="7771543"/>
-            <a:ext cx="1688283" cy="584775"/>
+            <a:off x="31732148" y="7367796"/>
+            <a:ext cx="2507940" cy="584775"/>
           </a:xfrm>
           <a:prstGeom prst="rect">
             <a:avLst/>
@@ -14104,7 +14152,7 @@
           <a:noFill/>
         </p:spPr>
         <p:txBody>
-          <a:bodyPr wrap="none" rtlCol="0">
+          <a:bodyPr wrap="square" rtlCol="0">
             <a:spAutoFit/>
           </a:bodyPr>
           <a:lstStyle/>
@@ -14242,7 +14290,7 @@
         </p:blipFill>
         <p:spPr>
           <a:xfrm>
-            <a:off x="1746786" y="25175165"/>
+            <a:off x="1746786" y="24896866"/>
             <a:ext cx="12445166" cy="12445166"/>
           </a:xfrm>
           <a:prstGeom prst="rect">
@@ -14264,7 +14312,7 @@
         </p:nvSpPr>
         <p:spPr>
           <a:xfrm>
-            <a:off x="5691435" y="35726193"/>
+            <a:off x="5691435" y="35567165"/>
             <a:ext cx="8316763" cy="307777"/>
           </a:xfrm>
           <a:prstGeom prst="rect">
@@ -14299,7 +14347,7 @@
         </p:nvSpPr>
         <p:spPr>
           <a:xfrm>
-            <a:off x="7722705" y="31559924"/>
+            <a:off x="7722705" y="31286876"/>
             <a:ext cx="299314" cy="3487999"/>
           </a:xfrm>
           <a:prstGeom prst="rect">
@@ -14623,7 +14671,7 @@
         </p:nvSpPr>
         <p:spPr>
           <a:xfrm>
-            <a:off x="39018482" y="7787758"/>
+            <a:off x="38870852" y="7367796"/>
             <a:ext cx="1688283" cy="584775"/>
           </a:xfrm>
           <a:prstGeom prst="rect">

--- a/presentations/KathiosLopezISDP_posterfinal.pptx
+++ b/presentations/KathiosLopezISDP_posterfinal.pptx
@@ -262,7 +262,7 @@
       <p15:sldGuideLst xmlns:p15="http://schemas.microsoft.com/office/powerpoint/2012/main"/>
     </p:ext>
     <p:ext uri="http://customooxmlschemas.google.com/">
-      <go:slidesCustomData xmlns="" xmlns:mc="http://schemas.openxmlformats.org/markup-compatibility/2006" xmlns:mv="urn:schemas-microsoft-com:mac:vml" xmlns:c="http://schemas.openxmlformats.org/drawingml/2006/chart" xmlns:dgm="http://schemas.openxmlformats.org/drawingml/2006/diagram" xmlns:o="urn:schemas-microsoft-com:office:office" xmlns:v="urn:schemas-microsoft-com:vml" xmlns:pvml="urn:schemas-microsoft-com:office:powerpoint" xmlns:com="http://schemas.openxmlformats.org/drawingml/2006/compatibility" xmlns:p14="http://schemas.microsoft.com/office/powerpoint/2010/main" xmlns:p15="http://schemas.microsoft.com/office/powerpoint/2012/main" xmlns:ahyp="http://schemas.microsoft.com/office/drawing/2018/hyperlinkcolor" xmlns:go="http://customooxmlschemas.google.com/" r:id="rId12" roundtripDataSignature="AMtx7mgUZ/EanI988gELEzf8evnhnh3MyA=="/>
+      <go:slidesCustomData xmlns:go="http://customooxmlschemas.google.com/" xmlns:ahyp="http://schemas.microsoft.com/office/drawing/2018/hyperlinkcolor" xmlns:p15="http://schemas.microsoft.com/office/powerpoint/2012/main" xmlns:p14="http://schemas.microsoft.com/office/powerpoint/2010/main" xmlns:com="http://schemas.openxmlformats.org/drawingml/2006/compatibility" xmlns:pvml="urn:schemas-microsoft-com:office:powerpoint" xmlns:v="urn:schemas-microsoft-com:vml" xmlns:o="urn:schemas-microsoft-com:office:office" xmlns:dgm="http://schemas.openxmlformats.org/drawingml/2006/diagram" xmlns:c="http://schemas.openxmlformats.org/drawingml/2006/chart" xmlns:mv="urn:schemas-microsoft-com:mac:vml" xmlns:mc="http://schemas.openxmlformats.org/markup-compatibility/2006" xmlns="" r:id="rId12" roundtripDataSignature="AMtx7mgUZ/EanI988gELEzf8evnhnh3MyA=="/>
     </p:ext>
   </p:extLst>
 </p:presentation>
@@ -14160,9 +14160,7 @@
             <a:r>
               <a:rPr lang="en-US" sz="3200" dirty="0">
                 <a:solidFill>
-                  <a:schemeClr val="accent6">
-                    <a:lumMod val="50000"/>
-                  </a:schemeClr>
+                  <a:schemeClr val="tx1"/>
                 </a:solidFill>
               </a:rPr>
               <a:t>Study 1:</a:t>
@@ -14688,9 +14686,7 @@
             <a:r>
               <a:rPr lang="en-US" sz="3200" dirty="0">
                 <a:solidFill>
-                  <a:schemeClr val="accent6">
-                    <a:lumMod val="50000"/>
-                  </a:schemeClr>
+                  <a:schemeClr val="tx1"/>
                 </a:solidFill>
               </a:rPr>
               <a:t>Study 2:</a:t>
